--- a/doc/predic.pptx
+++ b/doc/predic.pptx
@@ -3305,7 +3305,7 @@
           <a:p>
             <a:fld id="{2B955463-17AE-4753-A793-C402377A4767}" type="datetimeFigureOut">
               <a:rPr lang="zh-CN" altLang="en-US" smtClean="0"/>
-              <a:t>2018/4/24</a:t>
+              <a:t>2018/4/25</a:t>
             </a:fld>
             <a:endParaRPr lang="zh-CN" altLang="en-US"/>
           </a:p>
@@ -3616,6 +3616,96 @@
           <a:bodyPr/>
           <a:lstStyle/>
           <a:p>
+            <a:r>
+              <a:rPr lang="en-US" altLang="zh-CN" dirty="0"/>
+              <a:t>Match results depend on players’ performance, combine the stats of players</a:t>
+            </a:r>
+          </a:p>
+          <a:p>
+            <a:endParaRPr lang="en-US" altLang="zh-CN" dirty="0"/>
+          </a:p>
+        </p:txBody>
+      </p:sp>
+      <p:sp>
+        <p:nvSpPr>
+          <p:cNvPr id="4" name="灯片编号占位符 3"/>
+          <p:cNvSpPr>
+            <a:spLocks noGrp="1"/>
+          </p:cNvSpPr>
+          <p:nvPr>
+            <p:ph type="sldNum" sz="quarter" idx="10"/>
+          </p:nvPr>
+        </p:nvSpPr>
+        <p:spPr/>
+        <p:txBody>
+          <a:bodyPr/>
+          <a:lstStyle/>
+          <a:p>
+            <a:fld id="{7C390255-F692-4D09-857B-E14D860FE7DA}" type="slidenum">
+              <a:rPr lang="zh-CN" altLang="en-US" smtClean="0"/>
+              <a:t>2</a:t>
+            </a:fld>
+            <a:endParaRPr lang="zh-CN" altLang="en-US"/>
+          </a:p>
+        </p:txBody>
+      </p:sp>
+    </p:spTree>
+    <p:extLst>
+      <p:ext uri="{BB962C8B-B14F-4D97-AF65-F5344CB8AC3E}">
+        <p14:creationId xmlns:p14="http://schemas.microsoft.com/office/powerpoint/2010/main" val="2947859331"/>
+      </p:ext>
+    </p:extLst>
+  </p:cSld>
+  <p:clrMapOvr>
+    <a:masterClrMapping/>
+  </p:clrMapOvr>
+</p:notes>
+</file>
+
+<file path=ppt/notesSlides/notesSlide2.xml><?xml version="1.0" encoding="utf-8"?>
+<p:notes xmlns:a="http://schemas.openxmlformats.org/drawingml/2006/main" xmlns:r="http://schemas.openxmlformats.org/officeDocument/2006/relationships" xmlns:p="http://schemas.openxmlformats.org/presentationml/2006/main">
+  <p:cSld>
+    <p:spTree>
+      <p:nvGrpSpPr>
+        <p:cNvPr id="1" name=""/>
+        <p:cNvGrpSpPr/>
+        <p:nvPr/>
+      </p:nvGrpSpPr>
+      <p:grpSpPr>
+        <a:xfrm>
+          <a:off x="0" y="0"/>
+          <a:ext cx="0" cy="0"/>
+          <a:chOff x="0" y="0"/>
+          <a:chExt cx="0" cy="0"/>
+        </a:xfrm>
+      </p:grpSpPr>
+      <p:sp>
+        <p:nvSpPr>
+          <p:cNvPr id="2" name="幻灯片图像占位符 1"/>
+          <p:cNvSpPr>
+            <a:spLocks noGrp="1" noRot="1" noChangeAspect="1"/>
+          </p:cNvSpPr>
+          <p:nvPr>
+            <p:ph type="sldImg"/>
+          </p:nvPr>
+        </p:nvSpPr>
+        <p:spPr/>
+      </p:sp>
+      <p:sp>
+        <p:nvSpPr>
+          <p:cNvPr id="3" name="备注占位符 2"/>
+          <p:cNvSpPr>
+            <a:spLocks noGrp="1"/>
+          </p:cNvSpPr>
+          <p:nvPr>
+            <p:ph type="body" idx="1"/>
+          </p:nvPr>
+        </p:nvSpPr>
+        <p:spPr/>
+        <p:txBody>
+          <a:bodyPr/>
+          <a:lstStyle/>
+          <a:p>
             <a:endParaRPr lang="zh-CN" altLang="en-US" dirty="0"/>
           </a:p>
         </p:txBody>
@@ -3798,7 +3888,7 @@
           <a:p>
             <a:fld id="{CBBCC799-A813-4E0B-9044-350B23A3F0C1}" type="datetimeFigureOut">
               <a:rPr lang="zh-CN" altLang="en-US" smtClean="0"/>
-              <a:t>2018/4/24</a:t>
+              <a:t>2018/4/25</a:t>
             </a:fld>
             <a:endParaRPr lang="zh-CN" altLang="en-US"/>
           </a:p>
@@ -3968,7 +4058,7 @@
           <a:p>
             <a:fld id="{CBBCC799-A813-4E0B-9044-350B23A3F0C1}" type="datetimeFigureOut">
               <a:rPr lang="zh-CN" altLang="en-US" smtClean="0"/>
-              <a:t>2018/4/24</a:t>
+              <a:t>2018/4/25</a:t>
             </a:fld>
             <a:endParaRPr lang="zh-CN" altLang="en-US"/>
           </a:p>
@@ -4148,7 +4238,7 @@
           <a:p>
             <a:fld id="{CBBCC799-A813-4E0B-9044-350B23A3F0C1}" type="datetimeFigureOut">
               <a:rPr lang="zh-CN" altLang="en-US" smtClean="0"/>
-              <a:t>2018/4/24</a:t>
+              <a:t>2018/4/25</a:t>
             </a:fld>
             <a:endParaRPr lang="zh-CN" altLang="en-US"/>
           </a:p>
@@ -4435,7 +4525,7 @@
           <a:p>
             <a:fld id="{CBBCC799-A813-4E0B-9044-350B23A3F0C1}" type="datetimeFigureOut">
               <a:rPr lang="zh-CN" altLang="en-US" smtClean="0"/>
-              <a:t>2018/4/24</a:t>
+              <a:t>2018/4/25</a:t>
             </a:fld>
             <a:endParaRPr lang="zh-CN" altLang="en-US"/>
           </a:p>
@@ -4643,7 +4733,7 @@
           <a:p>
             <a:fld id="{CBBCC799-A813-4E0B-9044-350B23A3F0C1}" type="datetimeFigureOut">
               <a:rPr lang="zh-CN" altLang="en-US" smtClean="0"/>
-              <a:t>2018/4/24</a:t>
+              <a:t>2018/4/25</a:t>
             </a:fld>
             <a:endParaRPr lang="zh-CN" altLang="en-US"/>
           </a:p>
@@ -4986,7 +5076,7 @@
           <a:p>
             <a:fld id="{CBBCC799-A813-4E0B-9044-350B23A3F0C1}" type="datetimeFigureOut">
               <a:rPr lang="zh-CN" altLang="en-US" smtClean="0"/>
-              <a:t>2018/4/24</a:t>
+              <a:t>2018/4/25</a:t>
             </a:fld>
             <a:endParaRPr lang="zh-CN" altLang="en-US"/>
           </a:p>
@@ -5261,7 +5351,7 @@
           <a:p>
             <a:fld id="{CBBCC799-A813-4E0B-9044-350B23A3F0C1}" type="datetimeFigureOut">
               <a:rPr lang="zh-CN" altLang="en-US" smtClean="0"/>
-              <a:t>2018/4/24</a:t>
+              <a:t>2018/4/25</a:t>
             </a:fld>
             <a:endParaRPr lang="zh-CN" altLang="en-US"/>
           </a:p>
@@ -5640,7 +5730,7 @@
           <a:p>
             <a:fld id="{CBBCC799-A813-4E0B-9044-350B23A3F0C1}" type="datetimeFigureOut">
               <a:rPr lang="zh-CN" altLang="en-US" smtClean="0"/>
-              <a:t>2018/4/24</a:t>
+              <a:t>2018/4/25</a:t>
             </a:fld>
             <a:endParaRPr lang="zh-CN" altLang="en-US"/>
           </a:p>
@@ -5758,7 +5848,7 @@
           <a:p>
             <a:fld id="{CBBCC799-A813-4E0B-9044-350B23A3F0C1}" type="datetimeFigureOut">
               <a:rPr lang="zh-CN" altLang="en-US" smtClean="0"/>
-              <a:t>2018/4/24</a:t>
+              <a:t>2018/4/25</a:t>
             </a:fld>
             <a:endParaRPr lang="zh-CN" altLang="en-US"/>
           </a:p>
@@ -5929,7 +6019,7 @@
           <a:p>
             <a:fld id="{CBBCC799-A813-4E0B-9044-350B23A3F0C1}" type="datetimeFigureOut">
               <a:rPr lang="zh-CN" altLang="en-US" smtClean="0"/>
-              <a:t>2018/4/24</a:t>
+              <a:t>2018/4/25</a:t>
             </a:fld>
             <a:endParaRPr lang="zh-CN" altLang="en-US"/>
           </a:p>
@@ -6283,7 +6373,7 @@
           <a:p>
             <a:fld id="{CBBCC799-A813-4E0B-9044-350B23A3F0C1}" type="datetimeFigureOut">
               <a:rPr lang="zh-CN" altLang="en-US" smtClean="0"/>
-              <a:t>2018/4/24</a:t>
+              <a:t>2018/4/25</a:t>
             </a:fld>
             <a:endParaRPr lang="zh-CN" altLang="en-US"/>
           </a:p>
@@ -6474,7 +6564,7 @@
           <a:p>
             <a:fld id="{CBBCC799-A813-4E0B-9044-350B23A3F0C1}" type="datetimeFigureOut">
               <a:rPr lang="zh-CN" altLang="en-US" smtClean="0"/>
-              <a:t>2018/4/24</a:t>
+              <a:t>2018/4/25</a:t>
             </a:fld>
             <a:endParaRPr lang="zh-CN" altLang="en-US"/>
           </a:p>
@@ -6830,7 +6920,7 @@
           <a:p>
             <a:fld id="{CBBCC799-A813-4E0B-9044-350B23A3F0C1}" type="datetimeFigureOut">
               <a:rPr lang="zh-CN" altLang="en-US" smtClean="0"/>
-              <a:t>2018/4/24</a:t>
+              <a:t>2018/4/25</a:t>
             </a:fld>
             <a:endParaRPr lang="zh-CN" altLang="en-US"/>
           </a:p>
@@ -7000,7 +7090,7 @@
           <a:p>
             <a:fld id="{CBBCC799-A813-4E0B-9044-350B23A3F0C1}" type="datetimeFigureOut">
               <a:rPr lang="zh-CN" altLang="en-US" smtClean="0"/>
-              <a:t>2018/4/24</a:t>
+              <a:t>2018/4/25</a:t>
             </a:fld>
             <a:endParaRPr lang="zh-CN" altLang="en-US"/>
           </a:p>
@@ -7256,7 +7346,7 @@
           <a:p>
             <a:fld id="{CBBCC799-A813-4E0B-9044-350B23A3F0C1}" type="datetimeFigureOut">
               <a:rPr lang="zh-CN" altLang="en-US" smtClean="0"/>
-              <a:t>2018/4/24</a:t>
+              <a:t>2018/4/25</a:t>
             </a:fld>
             <a:endParaRPr lang="zh-CN" altLang="en-US"/>
           </a:p>
@@ -7507,7 +7597,7 @@
           <a:p>
             <a:fld id="{CBBCC799-A813-4E0B-9044-350B23A3F0C1}" type="datetimeFigureOut">
               <a:rPr lang="zh-CN" altLang="en-US" smtClean="0"/>
-              <a:t>2018/4/24</a:t>
+              <a:t>2018/4/25</a:t>
             </a:fld>
             <a:endParaRPr lang="zh-CN" altLang="en-US"/>
           </a:p>
@@ -7739,7 +7829,7 @@
           <a:p>
             <a:fld id="{CBBCC799-A813-4E0B-9044-350B23A3F0C1}" type="datetimeFigureOut">
               <a:rPr lang="zh-CN" altLang="en-US" smtClean="0"/>
-              <a:t>2018/4/24</a:t>
+              <a:t>2018/4/25</a:t>
             </a:fld>
             <a:endParaRPr lang="zh-CN" altLang="en-US"/>
           </a:p>
@@ -8086,7 +8176,7 @@
           <a:p>
             <a:fld id="{CBBCC799-A813-4E0B-9044-350B23A3F0C1}" type="datetimeFigureOut">
               <a:rPr lang="zh-CN" altLang="en-US" smtClean="0"/>
-              <a:t>2018/4/24</a:t>
+              <a:t>2018/4/25</a:t>
             </a:fld>
             <a:endParaRPr lang="zh-CN" altLang="en-US"/>
           </a:p>
@@ -8204,7 +8294,7 @@
           <a:p>
             <a:fld id="{CBBCC799-A813-4E0B-9044-350B23A3F0C1}" type="datetimeFigureOut">
               <a:rPr lang="zh-CN" altLang="en-US" smtClean="0"/>
-              <a:t>2018/4/24</a:t>
+              <a:t>2018/4/25</a:t>
             </a:fld>
             <a:endParaRPr lang="zh-CN" altLang="en-US"/>
           </a:p>
@@ -8322,7 +8412,7 @@
           <a:p>
             <a:fld id="{CBBCC799-A813-4E0B-9044-350B23A3F0C1}" type="datetimeFigureOut">
               <a:rPr lang="zh-CN" altLang="en-US" smtClean="0"/>
-              <a:t>2018/4/24</a:t>
+              <a:t>2018/4/25</a:t>
             </a:fld>
             <a:endParaRPr lang="zh-CN" altLang="en-US"/>
           </a:p>
@@ -8606,7 +8696,7 @@
           <a:p>
             <a:fld id="{CBBCC799-A813-4E0B-9044-350B23A3F0C1}" type="datetimeFigureOut">
               <a:rPr lang="zh-CN" altLang="en-US" smtClean="0"/>
-              <a:t>2018/4/24</a:t>
+              <a:t>2018/4/25</a:t>
             </a:fld>
             <a:endParaRPr lang="zh-CN" altLang="en-US"/>
           </a:p>
@@ -8870,7 +8960,7 @@
           <a:p>
             <a:fld id="{CBBCC799-A813-4E0B-9044-350B23A3F0C1}" type="datetimeFigureOut">
               <a:rPr lang="zh-CN" altLang="en-US" smtClean="0"/>
-              <a:t>2018/4/24</a:t>
+              <a:t>2018/4/25</a:t>
             </a:fld>
             <a:endParaRPr lang="zh-CN" altLang="en-US"/>
           </a:p>
@@ -9084,7 +9174,7 @@
           <a:p>
             <a:fld id="{CBBCC799-A813-4E0B-9044-350B23A3F0C1}" type="datetimeFigureOut">
               <a:rPr lang="zh-CN" altLang="en-US" smtClean="0"/>
-              <a:t>2018/4/24</a:t>
+              <a:t>2018/4/25</a:t>
             </a:fld>
             <a:endParaRPr lang="zh-CN" altLang="en-US"/>
           </a:p>
@@ -9692,7 +9782,7 @@
           <a:p>
             <a:fld id="{CBBCC799-A813-4E0B-9044-350B23A3F0C1}" type="datetimeFigureOut">
               <a:rPr lang="zh-CN" altLang="en-US" smtClean="0"/>
-              <a:t>2018/4/24</a:t>
+              <a:t>2018/4/25</a:t>
             </a:fld>
             <a:endParaRPr lang="zh-CN" altLang="en-US"/>
           </a:p>
@@ -10365,10 +10455,28 @@
         </p:nvSpPr>
         <p:spPr/>
         <p:txBody>
-          <a:bodyPr/>
+          <a:bodyPr>
+            <a:normAutofit/>
+          </a:bodyPr>
           <a:lstStyle/>
           <a:p>
-            <a:endParaRPr lang="zh-CN" altLang="en-US" dirty="0"/>
+            <a:r>
+              <a:rPr lang="en-US" altLang="zh-CN" sz="2800" dirty="0"/>
+              <a:t>Important:</a:t>
+            </a:r>
+          </a:p>
+          <a:p>
+            <a:r>
+              <a:rPr lang="en-US" altLang="zh-CN" sz="2800" dirty="0"/>
+              <a:t>You are welcome to bet using our result.</a:t>
+            </a:r>
+          </a:p>
+          <a:p>
+            <a:r>
+              <a:rPr lang="en-US" altLang="zh-CN" sz="2800" dirty="0"/>
+              <a:t>BUT YOU ARE ON YOUR OWN RISK!!!</a:t>
+            </a:r>
+            <a:endParaRPr lang="zh-CN" altLang="en-US" sz="2800" dirty="0"/>
           </a:p>
         </p:txBody>
       </p:sp>
@@ -10810,6 +10918,15 @@
               <a:rPr lang="en-US" altLang="zh-CN" sz="2400" dirty="0"/>
               <a:t>1200+ matches results as training set</a:t>
             </a:r>
+          </a:p>
+          <a:p>
+            <a:r>
+              <a:rPr lang="en-US" altLang="zh-CN" sz="2400" dirty="0"/>
+              <a:t>92 Teams</a:t>
+            </a:r>
+          </a:p>
+          <a:p>
+            <a:endParaRPr lang="en-US" altLang="zh-CN" sz="2400" dirty="0"/>
           </a:p>
           <a:p>
             <a:endParaRPr lang="en-US" altLang="zh-CN" sz="2400" dirty="0"/>
@@ -11329,7 +11446,16 @@
           <a:p>
             <a:r>
               <a:rPr lang="en-US" altLang="zh-CN" sz="2000" dirty="0"/>
-              <a:t>Round of 16:</a:t>
+              <a:t>Group Stage:</a:t>
+            </a:r>
+          </a:p>
+          <a:p>
+            <a:pPr marL="457200" lvl="1" indent="0">
+              <a:buNone/>
+            </a:pPr>
+            <a:r>
+              <a:rPr lang="en-US" altLang="zh-CN" sz="2000" dirty="0"/>
+              <a:t>Choose 16 teams from 32</a:t>
             </a:r>
           </a:p>
           <a:p>
